--- a/ゴールデンウィーク中の仕事振り分け.pptx
+++ b/ゴールデンウィーク中の仕事振り分け.pptx
@@ -7,6 +7,8 @@
   <p:sldIdLst>
     <p:sldId id="256" r:id="rId2"/>
     <p:sldId id="257" r:id="rId3"/>
+    <p:sldId id="258" r:id="rId4"/>
+    <p:sldId id="259" r:id="rId5"/>
   </p:sldIdLst>
   <p:sldSz cx="12192000" cy="6858000"/>
   <p:notesSz cx="6858000" cy="9144000"/>
@@ -105,6 +107,11 @@
       </a:defRPr>
     </a:lvl9pPr>
   </p:defaultTextStyle>
+  <p:extLst>
+    <p:ext uri="{EFAFB233-063F-42B5-8137-9DF3F51BA10A}">
+      <p15:sldGuideLst xmlns:p15="http://schemas.microsoft.com/office/powerpoint/2012/main"/>
+    </p:ext>
+  </p:extLst>
 </p:presentation>
 </file>
 
@@ -239,7 +246,7 @@
           <a:p>
             <a:fld id="{1F83670C-C215-4321-94E4-FD8610E0E041}" type="datetimeFigureOut">
               <a:rPr kumimoji="1" lang="ja-JP" altLang="en-US" smtClean="0"/>
-              <a:t>2019/4/25</a:t>
+              <a:t>2019/4/26</a:t>
             </a:fld>
             <a:endParaRPr kumimoji="1" lang="ja-JP" altLang="en-US"/>
           </a:p>
@@ -441,7 +448,7 @@
           <a:p>
             <a:fld id="{1F83670C-C215-4321-94E4-FD8610E0E041}" type="datetimeFigureOut">
               <a:rPr kumimoji="1" lang="ja-JP" altLang="en-US" smtClean="0"/>
-              <a:t>2019/4/25</a:t>
+              <a:t>2019/4/26</a:t>
             </a:fld>
             <a:endParaRPr kumimoji="1" lang="ja-JP" altLang="en-US"/>
           </a:p>
@@ -653,7 +660,7 @@
           <a:p>
             <a:fld id="{1F83670C-C215-4321-94E4-FD8610E0E041}" type="datetimeFigureOut">
               <a:rPr kumimoji="1" lang="ja-JP" altLang="en-US" smtClean="0"/>
-              <a:t>2019/4/25</a:t>
+              <a:t>2019/4/26</a:t>
             </a:fld>
             <a:endParaRPr kumimoji="1" lang="ja-JP" altLang="en-US"/>
           </a:p>
@@ -855,7 +862,7 @@
           <a:p>
             <a:fld id="{1F83670C-C215-4321-94E4-FD8610E0E041}" type="datetimeFigureOut">
               <a:rPr kumimoji="1" lang="ja-JP" altLang="en-US" smtClean="0"/>
-              <a:t>2019/4/25</a:t>
+              <a:t>2019/4/26</a:t>
             </a:fld>
             <a:endParaRPr kumimoji="1" lang="ja-JP" altLang="en-US"/>
           </a:p>
@@ -1101,7 +1108,7 @@
           <a:p>
             <a:fld id="{1F83670C-C215-4321-94E4-FD8610E0E041}" type="datetimeFigureOut">
               <a:rPr kumimoji="1" lang="ja-JP" altLang="en-US" smtClean="0"/>
-              <a:t>2019/4/25</a:t>
+              <a:t>2019/4/26</a:t>
             </a:fld>
             <a:endParaRPr kumimoji="1" lang="ja-JP" altLang="en-US"/>
           </a:p>
@@ -1397,7 +1404,7 @@
           <a:p>
             <a:fld id="{1F83670C-C215-4321-94E4-FD8610E0E041}" type="datetimeFigureOut">
               <a:rPr kumimoji="1" lang="ja-JP" altLang="en-US" smtClean="0"/>
-              <a:t>2019/4/25</a:t>
+              <a:t>2019/4/26</a:t>
             </a:fld>
             <a:endParaRPr kumimoji="1" lang="ja-JP" altLang="en-US"/>
           </a:p>
@@ -1828,7 +1835,7 @@
           <a:p>
             <a:fld id="{1F83670C-C215-4321-94E4-FD8610E0E041}" type="datetimeFigureOut">
               <a:rPr kumimoji="1" lang="ja-JP" altLang="en-US" smtClean="0"/>
-              <a:t>2019/4/25</a:t>
+              <a:t>2019/4/26</a:t>
             </a:fld>
             <a:endParaRPr kumimoji="1" lang="ja-JP" altLang="en-US"/>
           </a:p>
@@ -1946,7 +1953,7 @@
           <a:p>
             <a:fld id="{1F83670C-C215-4321-94E4-FD8610E0E041}" type="datetimeFigureOut">
               <a:rPr kumimoji="1" lang="ja-JP" altLang="en-US" smtClean="0"/>
-              <a:t>2019/4/25</a:t>
+              <a:t>2019/4/26</a:t>
             </a:fld>
             <a:endParaRPr kumimoji="1" lang="ja-JP" altLang="en-US"/>
           </a:p>
@@ -2041,7 +2048,7 @@
           <a:p>
             <a:fld id="{1F83670C-C215-4321-94E4-FD8610E0E041}" type="datetimeFigureOut">
               <a:rPr kumimoji="1" lang="ja-JP" altLang="en-US" smtClean="0"/>
-              <a:t>2019/4/25</a:t>
+              <a:t>2019/4/26</a:t>
             </a:fld>
             <a:endParaRPr kumimoji="1" lang="ja-JP" altLang="en-US"/>
           </a:p>
@@ -2350,7 +2357,7 @@
           <a:p>
             <a:fld id="{1F83670C-C215-4321-94E4-FD8610E0E041}" type="datetimeFigureOut">
               <a:rPr kumimoji="1" lang="ja-JP" altLang="en-US" smtClean="0"/>
-              <a:t>2019/4/25</a:t>
+              <a:t>2019/4/26</a:t>
             </a:fld>
             <a:endParaRPr kumimoji="1" lang="ja-JP" altLang="en-US"/>
           </a:p>
@@ -2603,7 +2610,7 @@
           <a:p>
             <a:fld id="{1F83670C-C215-4321-94E4-FD8610E0E041}" type="datetimeFigureOut">
               <a:rPr kumimoji="1" lang="ja-JP" altLang="en-US" smtClean="0"/>
-              <a:t>2019/4/25</a:t>
+              <a:t>2019/4/26</a:t>
             </a:fld>
             <a:endParaRPr kumimoji="1" lang="ja-JP" altLang="en-US"/>
           </a:p>
@@ -2848,7 +2855,7 @@
           <a:p>
             <a:fld id="{1F83670C-C215-4321-94E4-FD8610E0E041}" type="datetimeFigureOut">
               <a:rPr kumimoji="1" lang="ja-JP" altLang="en-US" smtClean="0"/>
-              <a:t>2019/4/25</a:t>
+              <a:t>2019/4/26</a:t>
             </a:fld>
             <a:endParaRPr kumimoji="1" lang="ja-JP" altLang="en-US"/>
           </a:p>
@@ -3861,6 +3868,652 @@
 </p:sld>
 </file>
 
+<file path=ppt/slides/slide3.xml><?xml version="1.0" encoding="utf-8"?>
+<p:sld xmlns:a="http://schemas.openxmlformats.org/drawingml/2006/main" xmlns:r="http://schemas.openxmlformats.org/officeDocument/2006/relationships" xmlns:p="http://schemas.openxmlformats.org/presentationml/2006/main">
+  <p:cSld>
+    <p:spTree>
+      <p:nvGrpSpPr>
+        <p:cNvPr id="1" name=""/>
+        <p:cNvGrpSpPr/>
+        <p:nvPr/>
+      </p:nvGrpSpPr>
+      <p:grpSpPr>
+        <a:xfrm>
+          <a:off x="0" y="0"/>
+          <a:ext cx="0" cy="0"/>
+          <a:chOff x="0" y="0"/>
+          <a:chExt cx="0" cy="0"/>
+        </a:xfrm>
+      </p:grpSpPr>
+    </p:spTree>
+    <p:extLst>
+      <p:ext uri="{BB962C8B-B14F-4D97-AF65-F5344CB8AC3E}">
+        <p14:creationId xmlns:p14="http://schemas.microsoft.com/office/powerpoint/2010/main" val="400442711"/>
+      </p:ext>
+    </p:extLst>
+  </p:cSld>
+  <p:clrMapOvr>
+    <a:masterClrMapping/>
+  </p:clrMapOvr>
+</p:sld>
+</file>
+
+<file path=ppt/slides/slide4.xml><?xml version="1.0" encoding="utf-8"?>
+<p:sld xmlns:a="http://schemas.openxmlformats.org/drawingml/2006/main" xmlns:r="http://schemas.openxmlformats.org/officeDocument/2006/relationships" xmlns:p="http://schemas.openxmlformats.org/presentationml/2006/main">
+  <p:cSld>
+    <p:spTree>
+      <p:nvGrpSpPr>
+        <p:cNvPr id="1" name=""/>
+        <p:cNvGrpSpPr/>
+        <p:nvPr/>
+      </p:nvGrpSpPr>
+      <p:grpSpPr>
+        <a:xfrm>
+          <a:off x="0" y="0"/>
+          <a:ext cx="0" cy="0"/>
+          <a:chOff x="0" y="0"/>
+          <a:chExt cx="0" cy="0"/>
+        </a:xfrm>
+      </p:grpSpPr>
+      <p:sp>
+        <p:nvSpPr>
+          <p:cNvPr id="4" name="正方形/長方形 3"/>
+          <p:cNvSpPr/>
+          <p:nvPr/>
+        </p:nvSpPr>
+        <p:spPr>
+          <a:xfrm>
+            <a:off x="4855335" y="154546"/>
+            <a:ext cx="3296992" cy="1094705"/>
+          </a:xfrm>
+          <a:prstGeom prst="rect">
+            <a:avLst/>
+          </a:prstGeom>
+          <a:noFill/>
+          <a:ln w="57150"/>
+        </p:spPr>
+        <p:style>
+          <a:lnRef idx="2">
+            <a:schemeClr val="accent1">
+              <a:shade val="50000"/>
+            </a:schemeClr>
+          </a:lnRef>
+          <a:fillRef idx="1">
+            <a:schemeClr val="accent1"/>
+          </a:fillRef>
+          <a:effectRef idx="0">
+            <a:schemeClr val="accent1"/>
+          </a:effectRef>
+          <a:fontRef idx="minor">
+            <a:schemeClr val="lt1"/>
+          </a:fontRef>
+        </p:style>
+        <p:txBody>
+          <a:bodyPr rtlCol="0" anchor="ctr"/>
+          <a:lstStyle/>
+          <a:p>
+            <a:pPr algn="ctr"/>
+            <a:endParaRPr kumimoji="1" lang="ja-JP" altLang="en-US" dirty="0"/>
+          </a:p>
+        </p:txBody>
+      </p:sp>
+      <p:sp>
+        <p:nvSpPr>
+          <p:cNvPr id="5" name="テキスト ボックス 4"/>
+          <p:cNvSpPr txBox="1"/>
+          <p:nvPr/>
+        </p:nvSpPr>
+        <p:spPr>
+          <a:xfrm>
+            <a:off x="5177307" y="409510"/>
+            <a:ext cx="2653048" cy="584775"/>
+          </a:xfrm>
+          <a:prstGeom prst="rect">
+            <a:avLst/>
+          </a:prstGeom>
+          <a:noFill/>
+        </p:spPr>
+        <p:txBody>
+          <a:bodyPr wrap="square" rtlCol="0">
+            <a:spAutoFit/>
+          </a:bodyPr>
+          <a:lstStyle/>
+          <a:p>
+            <a:pPr algn="ctr"/>
+            <a:r>
+              <a:rPr kumimoji="1" lang="ja-JP" altLang="en-US" sz="3200" dirty="0" smtClean="0"/>
+              <a:t>タイトルシーン</a:t>
+            </a:r>
+            <a:endParaRPr kumimoji="1" lang="ja-JP" altLang="en-US" sz="3200" dirty="0"/>
+          </a:p>
+        </p:txBody>
+      </p:sp>
+      <p:sp>
+        <p:nvSpPr>
+          <p:cNvPr id="6" name="正方形/長方形 5"/>
+          <p:cNvSpPr/>
+          <p:nvPr/>
+        </p:nvSpPr>
+        <p:spPr>
+          <a:xfrm>
+            <a:off x="4997003" y="2803541"/>
+            <a:ext cx="3168202" cy="818276"/>
+          </a:xfrm>
+          <a:prstGeom prst="rect">
+            <a:avLst/>
+          </a:prstGeom>
+          <a:noFill/>
+          <a:ln w="57150"/>
+        </p:spPr>
+        <p:style>
+          <a:lnRef idx="2">
+            <a:schemeClr val="accent1">
+              <a:shade val="50000"/>
+            </a:schemeClr>
+          </a:lnRef>
+          <a:fillRef idx="1">
+            <a:schemeClr val="accent1"/>
+          </a:fillRef>
+          <a:effectRef idx="0">
+            <a:schemeClr val="accent1"/>
+          </a:effectRef>
+          <a:fontRef idx="minor">
+            <a:schemeClr val="lt1"/>
+          </a:fontRef>
+        </p:style>
+        <p:txBody>
+          <a:bodyPr rtlCol="0" anchor="ctr"/>
+          <a:lstStyle/>
+          <a:p>
+            <a:pPr algn="ctr"/>
+            <a:endParaRPr kumimoji="1" lang="ja-JP" altLang="en-US" dirty="0"/>
+          </a:p>
+        </p:txBody>
+      </p:sp>
+      <p:sp>
+        <p:nvSpPr>
+          <p:cNvPr id="7" name="テキスト ボックス 6"/>
+          <p:cNvSpPr txBox="1"/>
+          <p:nvPr/>
+        </p:nvSpPr>
+        <p:spPr>
+          <a:xfrm>
+            <a:off x="5254580" y="2920292"/>
+            <a:ext cx="2653048" cy="584775"/>
+          </a:xfrm>
+          <a:prstGeom prst="rect">
+            <a:avLst/>
+          </a:prstGeom>
+          <a:noFill/>
+        </p:spPr>
+        <p:txBody>
+          <a:bodyPr wrap="square" rtlCol="0">
+            <a:spAutoFit/>
+          </a:bodyPr>
+          <a:lstStyle/>
+          <a:p>
+            <a:pPr algn="ctr"/>
+            <a:r>
+              <a:rPr kumimoji="1" lang="ja-JP" altLang="en-US" sz="3200" dirty="0" smtClean="0"/>
+              <a:t>セレクトシーン</a:t>
+            </a:r>
+            <a:endParaRPr kumimoji="1" lang="ja-JP" altLang="en-US" sz="3200" dirty="0"/>
+          </a:p>
+        </p:txBody>
+      </p:sp>
+      <p:sp>
+        <p:nvSpPr>
+          <p:cNvPr id="8" name="正方形/長方形 7"/>
+          <p:cNvSpPr/>
+          <p:nvPr/>
+        </p:nvSpPr>
+        <p:spPr>
+          <a:xfrm>
+            <a:off x="4887532" y="4419434"/>
+            <a:ext cx="3296992" cy="641963"/>
+          </a:xfrm>
+          <a:prstGeom prst="rect">
+            <a:avLst/>
+          </a:prstGeom>
+          <a:noFill/>
+          <a:ln w="57150"/>
+        </p:spPr>
+        <p:style>
+          <a:lnRef idx="2">
+            <a:schemeClr val="accent1">
+              <a:shade val="50000"/>
+            </a:schemeClr>
+          </a:lnRef>
+          <a:fillRef idx="1">
+            <a:schemeClr val="accent1"/>
+          </a:fillRef>
+          <a:effectRef idx="0">
+            <a:schemeClr val="accent1"/>
+          </a:effectRef>
+          <a:fontRef idx="minor">
+            <a:schemeClr val="lt1"/>
+          </a:fontRef>
+        </p:style>
+        <p:txBody>
+          <a:bodyPr rtlCol="0" anchor="ctr"/>
+          <a:lstStyle/>
+          <a:p>
+            <a:pPr algn="ctr"/>
+            <a:endParaRPr kumimoji="1" lang="ja-JP" altLang="en-US" dirty="0"/>
+          </a:p>
+        </p:txBody>
+      </p:sp>
+      <p:sp>
+        <p:nvSpPr>
+          <p:cNvPr id="9" name="テキスト ボックス 8"/>
+          <p:cNvSpPr txBox="1"/>
+          <p:nvPr/>
+        </p:nvSpPr>
+        <p:spPr>
+          <a:xfrm>
+            <a:off x="5240058" y="4462366"/>
+            <a:ext cx="2653048" cy="584775"/>
+          </a:xfrm>
+          <a:prstGeom prst="rect">
+            <a:avLst/>
+          </a:prstGeom>
+          <a:noFill/>
+        </p:spPr>
+        <p:txBody>
+          <a:bodyPr wrap="square" rtlCol="0">
+            <a:spAutoFit/>
+          </a:bodyPr>
+          <a:lstStyle/>
+          <a:p>
+            <a:pPr algn="ctr"/>
+            <a:r>
+              <a:rPr kumimoji="1" lang="ja-JP" altLang="en-US" sz="3200" dirty="0" smtClean="0"/>
+              <a:t>プレイシーン</a:t>
+            </a:r>
+            <a:endParaRPr kumimoji="1" lang="ja-JP" altLang="en-US" sz="3200" dirty="0"/>
+          </a:p>
+        </p:txBody>
+      </p:sp>
+      <p:sp>
+        <p:nvSpPr>
+          <p:cNvPr id="12" name="正方形/長方形 11"/>
+          <p:cNvSpPr/>
+          <p:nvPr/>
+        </p:nvSpPr>
+        <p:spPr>
+          <a:xfrm>
+            <a:off x="4855335" y="5634506"/>
+            <a:ext cx="3296992" cy="1094705"/>
+          </a:xfrm>
+          <a:prstGeom prst="rect">
+            <a:avLst/>
+          </a:prstGeom>
+          <a:noFill/>
+          <a:ln w="57150"/>
+        </p:spPr>
+        <p:style>
+          <a:lnRef idx="2">
+            <a:schemeClr val="accent1">
+              <a:shade val="50000"/>
+            </a:schemeClr>
+          </a:lnRef>
+          <a:fillRef idx="1">
+            <a:schemeClr val="accent1"/>
+          </a:fillRef>
+          <a:effectRef idx="0">
+            <a:schemeClr val="accent1"/>
+          </a:effectRef>
+          <a:fontRef idx="minor">
+            <a:schemeClr val="lt1"/>
+          </a:fontRef>
+        </p:style>
+        <p:txBody>
+          <a:bodyPr rtlCol="0" anchor="ctr"/>
+          <a:lstStyle/>
+          <a:p>
+            <a:pPr algn="ctr"/>
+            <a:endParaRPr kumimoji="1" lang="ja-JP" altLang="en-US" dirty="0"/>
+          </a:p>
+        </p:txBody>
+      </p:sp>
+      <p:sp>
+        <p:nvSpPr>
+          <p:cNvPr id="13" name="テキスト ボックス 12"/>
+          <p:cNvSpPr txBox="1"/>
+          <p:nvPr/>
+        </p:nvSpPr>
+        <p:spPr>
+          <a:xfrm>
+            <a:off x="4984125" y="5889470"/>
+            <a:ext cx="3206839" cy="584775"/>
+          </a:xfrm>
+          <a:prstGeom prst="rect">
+            <a:avLst/>
+          </a:prstGeom>
+          <a:noFill/>
+        </p:spPr>
+        <p:txBody>
+          <a:bodyPr wrap="square" rtlCol="0">
+            <a:spAutoFit/>
+          </a:bodyPr>
+          <a:lstStyle/>
+          <a:p>
+            <a:pPr algn="ctr"/>
+            <a:r>
+              <a:rPr kumimoji="1" lang="ja-JP" altLang="en-US" sz="3200" dirty="0" smtClean="0"/>
+              <a:t>リザルトシーン</a:t>
+            </a:r>
+            <a:endParaRPr kumimoji="1" lang="ja-JP" altLang="en-US" sz="3200" dirty="0"/>
+          </a:p>
+        </p:txBody>
+      </p:sp>
+      <p:sp>
+        <p:nvSpPr>
+          <p:cNvPr id="14" name="テキスト ボックス 13"/>
+          <p:cNvSpPr txBox="1"/>
+          <p:nvPr/>
+        </p:nvSpPr>
+        <p:spPr>
+          <a:xfrm rot="20460453">
+            <a:off x="-8607" y="604402"/>
+            <a:ext cx="3812146" cy="584775"/>
+          </a:xfrm>
+          <a:prstGeom prst="rect">
+            <a:avLst/>
+          </a:prstGeom>
+          <a:noFill/>
+        </p:spPr>
+        <p:txBody>
+          <a:bodyPr wrap="square" rtlCol="0">
+            <a:spAutoFit/>
+          </a:bodyPr>
+          <a:lstStyle/>
+          <a:p>
+            <a:pPr algn="ctr"/>
+            <a:r>
+              <a:rPr kumimoji="1" lang="ja-JP" altLang="en-US" sz="3200" b="1" dirty="0" smtClean="0"/>
+              <a:t>理想の</a:t>
+            </a:r>
+            <a:r>
+              <a:rPr kumimoji="1" lang="ja-JP" altLang="en-US" sz="3200" b="1" dirty="0" smtClean="0"/>
+              <a:t>シーン遷移</a:t>
+            </a:r>
+            <a:endParaRPr kumimoji="1" lang="ja-JP" altLang="en-US" sz="3200" b="1" dirty="0"/>
+          </a:p>
+        </p:txBody>
+      </p:sp>
+      <p:sp>
+        <p:nvSpPr>
+          <p:cNvPr id="15" name="下矢印 14"/>
+          <p:cNvSpPr/>
+          <p:nvPr/>
+        </p:nvSpPr>
+        <p:spPr>
+          <a:xfrm>
+            <a:off x="6156102" y="1330514"/>
+            <a:ext cx="759853" cy="614498"/>
+          </a:xfrm>
+          <a:prstGeom prst="downArrow">
+            <a:avLst/>
+          </a:prstGeom>
+        </p:spPr>
+        <p:style>
+          <a:lnRef idx="2">
+            <a:schemeClr val="accent1">
+              <a:shade val="50000"/>
+            </a:schemeClr>
+          </a:lnRef>
+          <a:fillRef idx="1">
+            <a:schemeClr val="accent1"/>
+          </a:fillRef>
+          <a:effectRef idx="0">
+            <a:schemeClr val="accent1"/>
+          </a:effectRef>
+          <a:fontRef idx="minor">
+            <a:schemeClr val="lt1"/>
+          </a:fontRef>
+        </p:style>
+        <p:txBody>
+          <a:bodyPr rtlCol="0" anchor="ctr"/>
+          <a:lstStyle/>
+          <a:p>
+            <a:pPr algn="ctr"/>
+            <a:endParaRPr kumimoji="1" lang="ja-JP" altLang="en-US"/>
+          </a:p>
+        </p:txBody>
+      </p:sp>
+      <p:sp>
+        <p:nvSpPr>
+          <p:cNvPr id="16" name="下矢印 15"/>
+          <p:cNvSpPr/>
+          <p:nvPr/>
+        </p:nvSpPr>
+        <p:spPr>
+          <a:xfrm>
+            <a:off x="6201178" y="3981878"/>
+            <a:ext cx="759853" cy="263855"/>
+          </a:xfrm>
+          <a:prstGeom prst="downArrow">
+            <a:avLst/>
+          </a:prstGeom>
+        </p:spPr>
+        <p:style>
+          <a:lnRef idx="2">
+            <a:schemeClr val="accent1">
+              <a:shade val="50000"/>
+            </a:schemeClr>
+          </a:lnRef>
+          <a:fillRef idx="1">
+            <a:schemeClr val="accent1"/>
+          </a:fillRef>
+          <a:effectRef idx="0">
+            <a:schemeClr val="accent1"/>
+          </a:effectRef>
+          <a:fontRef idx="minor">
+            <a:schemeClr val="lt1"/>
+          </a:fontRef>
+        </p:style>
+        <p:txBody>
+          <a:bodyPr rtlCol="0" anchor="ctr"/>
+          <a:lstStyle/>
+          <a:p>
+            <a:pPr algn="ctr"/>
+            <a:endParaRPr kumimoji="1" lang="ja-JP" altLang="en-US"/>
+          </a:p>
+        </p:txBody>
+      </p:sp>
+      <p:sp>
+        <p:nvSpPr>
+          <p:cNvPr id="17" name="下矢印 16"/>
+          <p:cNvSpPr/>
+          <p:nvPr/>
+        </p:nvSpPr>
+        <p:spPr>
+          <a:xfrm>
+            <a:off x="6111025" y="5075653"/>
+            <a:ext cx="850006" cy="590614"/>
+          </a:xfrm>
+          <a:prstGeom prst="downArrow">
+            <a:avLst/>
+          </a:prstGeom>
+        </p:spPr>
+        <p:style>
+          <a:lnRef idx="2">
+            <a:schemeClr val="accent1">
+              <a:shade val="50000"/>
+            </a:schemeClr>
+          </a:lnRef>
+          <a:fillRef idx="1">
+            <a:schemeClr val="accent1"/>
+          </a:fillRef>
+          <a:effectRef idx="0">
+            <a:schemeClr val="accent1"/>
+          </a:effectRef>
+          <a:fontRef idx="minor">
+            <a:schemeClr val="lt1"/>
+          </a:fontRef>
+        </p:style>
+        <p:txBody>
+          <a:bodyPr rtlCol="0" anchor="ctr"/>
+          <a:lstStyle/>
+          <a:p>
+            <a:pPr algn="ctr"/>
+            <a:endParaRPr kumimoji="1" lang="ja-JP" altLang="en-US"/>
+          </a:p>
+        </p:txBody>
+      </p:sp>
+      <p:sp>
+        <p:nvSpPr>
+          <p:cNvPr id="19" name="曲折矢印 18"/>
+          <p:cNvSpPr/>
+          <p:nvPr/>
+        </p:nvSpPr>
+        <p:spPr>
+          <a:xfrm>
+            <a:off x="3157428" y="540913"/>
+            <a:ext cx="1532586" cy="5639400"/>
+          </a:xfrm>
+          <a:prstGeom prst="bentArrow">
+            <a:avLst/>
+          </a:prstGeom>
+        </p:spPr>
+        <p:style>
+          <a:lnRef idx="2">
+            <a:schemeClr val="accent1">
+              <a:shade val="50000"/>
+            </a:schemeClr>
+          </a:lnRef>
+          <a:fillRef idx="1">
+            <a:schemeClr val="accent1"/>
+          </a:fillRef>
+          <a:effectRef idx="0">
+            <a:schemeClr val="accent1"/>
+          </a:effectRef>
+          <a:fontRef idx="minor">
+            <a:schemeClr val="lt1"/>
+          </a:fontRef>
+        </p:style>
+        <p:txBody>
+          <a:bodyPr rtlCol="0" anchor="ctr"/>
+          <a:lstStyle/>
+          <a:p>
+            <a:pPr algn="ctr"/>
+            <a:endParaRPr kumimoji="1" lang="ja-JP" altLang="en-US">
+              <a:solidFill>
+                <a:schemeClr val="tx1"/>
+              </a:solidFill>
+            </a:endParaRPr>
+          </a:p>
+        </p:txBody>
+      </p:sp>
+      <p:sp>
+        <p:nvSpPr>
+          <p:cNvPr id="20" name="正方形/長方形 19"/>
+          <p:cNvSpPr/>
+          <p:nvPr/>
+        </p:nvSpPr>
+        <p:spPr>
+          <a:xfrm>
+            <a:off x="3157428" y="6049848"/>
+            <a:ext cx="1532586" cy="264017"/>
+          </a:xfrm>
+          <a:prstGeom prst="rect">
+            <a:avLst/>
+          </a:prstGeom>
+        </p:spPr>
+        <p:style>
+          <a:lnRef idx="2">
+            <a:schemeClr val="accent1">
+              <a:shade val="50000"/>
+            </a:schemeClr>
+          </a:lnRef>
+          <a:fillRef idx="1">
+            <a:schemeClr val="accent1"/>
+          </a:fillRef>
+          <a:effectRef idx="0">
+            <a:schemeClr val="accent1"/>
+          </a:effectRef>
+          <a:fontRef idx="minor">
+            <a:schemeClr val="lt1"/>
+          </a:fontRef>
+        </p:style>
+        <p:txBody>
+          <a:bodyPr rtlCol="0" anchor="ctr"/>
+          <a:lstStyle/>
+          <a:p>
+            <a:pPr algn="ctr"/>
+            <a:endParaRPr kumimoji="1" lang="ja-JP" altLang="en-US"/>
+          </a:p>
+        </p:txBody>
+      </p:sp>
+      <p:sp>
+        <p:nvSpPr>
+          <p:cNvPr id="2" name="円形吹き出し 1"/>
+          <p:cNvSpPr/>
+          <p:nvPr/>
+        </p:nvSpPr>
+        <p:spPr>
+          <a:xfrm>
+            <a:off x="8564451" y="68384"/>
+            <a:ext cx="2962141" cy="1262130"/>
+          </a:xfrm>
+          <a:prstGeom prst="wedgeEllipseCallout">
+            <a:avLst>
+              <a:gd name="adj1" fmla="val -60833"/>
+              <a:gd name="adj2" fmla="val 8418"/>
+            </a:avLst>
+          </a:prstGeom>
+        </p:spPr>
+        <p:style>
+          <a:lnRef idx="2">
+            <a:schemeClr val="accent1">
+              <a:shade val="50000"/>
+            </a:schemeClr>
+          </a:lnRef>
+          <a:fillRef idx="1">
+            <a:schemeClr val="accent1"/>
+          </a:fillRef>
+          <a:effectRef idx="0">
+            <a:schemeClr val="accent1"/>
+          </a:effectRef>
+          <a:fontRef idx="minor">
+            <a:schemeClr val="lt1"/>
+          </a:fontRef>
+        </p:style>
+        <p:txBody>
+          <a:bodyPr rtlCol="0" anchor="ctr"/>
+          <a:lstStyle/>
+          <a:p>
+            <a:pPr algn="ctr"/>
+            <a:r>
+              <a:rPr kumimoji="1" lang="ja-JP" altLang="en-US" dirty="0" smtClean="0"/>
+              <a:t>後藤君が</a:t>
+            </a:r>
+            <a:r>
+              <a:rPr kumimoji="1" lang="en-US" altLang="ja-JP" dirty="0" smtClean="0"/>
+              <a:t>new</a:t>
+            </a:r>
+            <a:r>
+              <a:rPr kumimoji="1" lang="ja-JP" altLang="en-US" dirty="0" smtClean="0"/>
+              <a:t>モデルを使う</a:t>
+            </a:r>
+            <a:endParaRPr kumimoji="1" lang="en-US" altLang="ja-JP" dirty="0" smtClean="0"/>
+          </a:p>
+        </p:txBody>
+      </p:sp>
+    </p:spTree>
+    <p:extLst>
+      <p:ext uri="{BB962C8B-B14F-4D97-AF65-F5344CB8AC3E}">
+        <p14:creationId xmlns:p14="http://schemas.microsoft.com/office/powerpoint/2010/main" val="1392247791"/>
+      </p:ext>
+    </p:extLst>
+  </p:cSld>
+  <p:clrMapOvr>
+    <a:masterClrMapping/>
+  </p:clrMapOvr>
+</p:sld>
+</file>
+
 <file path=ppt/theme/theme1.xml><?xml version="1.0" encoding="utf-8"?>
 <a:theme xmlns:a="http://schemas.openxmlformats.org/drawingml/2006/main" name="Office テーマ">
   <a:themeElements>

--- a/ゴールデンウィーク中の仕事振り分け.pptx
+++ b/ゴールデンウィーク中の仕事振り分け.pptx
@@ -3885,6 +3885,159 @@
           <a:chExt cx="0" cy="0"/>
         </a:xfrm>
       </p:grpSpPr>
+      <p:sp>
+        <p:nvSpPr>
+          <p:cNvPr id="2" name="テキスト ボックス 1"/>
+          <p:cNvSpPr txBox="1"/>
+          <p:nvPr/>
+        </p:nvSpPr>
+        <p:spPr>
+          <a:xfrm>
+            <a:off x="1738648" y="965915"/>
+            <a:ext cx="6825803" cy="2862322"/>
+          </a:xfrm>
+          <a:prstGeom prst="rect">
+            <a:avLst/>
+          </a:prstGeom>
+          <a:noFill/>
+        </p:spPr>
+        <p:txBody>
+          <a:bodyPr wrap="square" rtlCol="0">
+            <a:spAutoFit/>
+          </a:bodyPr>
+          <a:lstStyle/>
+          <a:p>
+            <a:r>
+              <a:rPr lang="ja-JP" altLang="en-US" dirty="0"/>
+              <a:t>・</a:t>
+            </a:r>
+            <a:r>
+              <a:rPr kumimoji="1" lang="ja-JP" altLang="en-US" dirty="0" smtClean="0"/>
+              <a:t>装備をとるときに装備をとれるように知らせる</a:t>
+            </a:r>
+            <a:r>
+              <a:rPr kumimoji="1" lang="en-US" altLang="ja-JP" dirty="0" smtClean="0"/>
+              <a:t>UI</a:t>
+            </a:r>
+            <a:r>
+              <a:rPr kumimoji="1" lang="ja-JP" altLang="en-US" dirty="0" smtClean="0"/>
+              <a:t>を追加</a:t>
+            </a:r>
+            <a:endParaRPr lang="en-US" altLang="ja-JP" dirty="0" smtClean="0"/>
+          </a:p>
+          <a:p>
+            <a:r>
+              <a:rPr lang="ja-JP" altLang="en-US" dirty="0" smtClean="0"/>
+              <a:t>・プレイヤーと敵のノックバック</a:t>
+            </a:r>
+            <a:endParaRPr lang="en-US" altLang="ja-JP" dirty="0" smtClean="0"/>
+          </a:p>
+          <a:p>
+            <a:r>
+              <a:rPr lang="ja-JP" altLang="en-US" dirty="0" smtClean="0"/>
+              <a:t>・選択シーンの画像</a:t>
+            </a:r>
+            <a:r>
+              <a:rPr lang="ja-JP" altLang="en-US" smtClean="0"/>
+              <a:t>作成と実装</a:t>
+            </a:r>
+            <a:endParaRPr lang="en-US" altLang="ja-JP" dirty="0" smtClean="0"/>
+          </a:p>
+          <a:p>
+            <a:r>
+              <a:rPr lang="ja-JP" altLang="en-US" dirty="0" smtClean="0"/>
+              <a:t>・攻撃の計算を追加 </a:t>
+            </a:r>
+            <a:endParaRPr lang="en-US" altLang="ja-JP" dirty="0" smtClean="0"/>
+          </a:p>
+          <a:p>
+            <a:r>
+              <a:rPr lang="ja-JP" altLang="en-US" dirty="0" smtClean="0"/>
+              <a:t>・</a:t>
+            </a:r>
+            <a:r>
+              <a:rPr lang="en-US" altLang="ja-JP" dirty="0" smtClean="0"/>
+              <a:t>exe</a:t>
+            </a:r>
+            <a:r>
+              <a:rPr lang="ja-JP" altLang="en-US" dirty="0" smtClean="0"/>
+              <a:t>のバグを治す</a:t>
+            </a:r>
+            <a:r>
+              <a:rPr lang="en-US" altLang="ja-JP" dirty="0" smtClean="0"/>
+              <a:t>			//</a:t>
+            </a:r>
+            <a:r>
+              <a:rPr lang="ja-JP" altLang="en-US" dirty="0" smtClean="0"/>
+              <a:t>優先度高</a:t>
+            </a:r>
+            <a:endParaRPr lang="en-US" altLang="ja-JP" dirty="0" smtClean="0"/>
+          </a:p>
+          <a:p>
+            <a:r>
+              <a:rPr lang="ja-JP" altLang="en-US" dirty="0" smtClean="0"/>
+              <a:t>・登場の演出とゴール時にカプセルに入る演出     </a:t>
+            </a:r>
+            <a:endParaRPr lang="en-US" altLang="ja-JP" dirty="0" smtClean="0"/>
+          </a:p>
+          <a:p>
+            <a:r>
+              <a:rPr lang="ja-JP" altLang="en-US" dirty="0" smtClean="0"/>
+              <a:t>・</a:t>
+            </a:r>
+            <a:r>
+              <a:rPr lang="en-US" altLang="ja-JP" dirty="0" smtClean="0"/>
+              <a:t>HP</a:t>
+            </a:r>
+            <a:r>
+              <a:rPr lang="ja-JP" altLang="en-US" dirty="0" smtClean="0"/>
+              <a:t>ゲージ                                 </a:t>
+            </a:r>
+            <a:r>
+              <a:rPr lang="en-US" altLang="ja-JP" dirty="0" err="1" smtClean="0"/>
+              <a:t>Teramoto</a:t>
+            </a:r>
+            <a:endParaRPr lang="en-US" altLang="ja-JP" dirty="0" smtClean="0"/>
+          </a:p>
+          <a:p>
+            <a:r>
+              <a:rPr lang="ja-JP" altLang="en-US" dirty="0" smtClean="0"/>
+              <a:t>・カメラワーク                            </a:t>
+            </a:r>
+            <a:r>
+              <a:rPr lang="en-US" altLang="ja-JP" dirty="0" err="1" smtClean="0"/>
+              <a:t>Satou</a:t>
+            </a:r>
+            <a:endParaRPr lang="en-US" altLang="ja-JP" dirty="0" smtClean="0"/>
+          </a:p>
+          <a:p>
+            <a:r>
+              <a:rPr lang="ja-JP" altLang="en-US" dirty="0" smtClean="0"/>
+              <a:t>・攻撃のエフェクト追加  </a:t>
+            </a:r>
+            <a:r>
+              <a:rPr lang="en-US" altLang="ja-JP" dirty="0"/>
+              <a:t>	</a:t>
+            </a:r>
+            <a:r>
+              <a:rPr lang="en-US" altLang="ja-JP" dirty="0" err="1" smtClean="0"/>
+              <a:t>gotou</a:t>
+            </a:r>
+            <a:endParaRPr lang="en-US" altLang="ja-JP" dirty="0" smtClean="0"/>
+          </a:p>
+          <a:p>
+            <a:r>
+              <a:rPr lang="ja-JP" altLang="en-US" dirty="0" smtClean="0"/>
+              <a:t>・ヒットエフェクト                       </a:t>
+            </a:r>
+            <a:r>
+              <a:rPr lang="en-US" altLang="ja-JP" dirty="0" err="1" smtClean="0"/>
+              <a:t>gotou</a:t>
+            </a:r>
+            <a:endParaRPr lang="en-US" altLang="ja-JP" dirty="0" smtClean="0"/>
+          </a:p>
+        </p:txBody>
+      </p:sp>
     </p:spTree>
     <p:extLst>
       <p:ext uri="{BB962C8B-B14F-4D97-AF65-F5344CB8AC3E}">
@@ -4232,11 +4385,7 @@
             <a:pPr algn="ctr"/>
             <a:r>
               <a:rPr kumimoji="1" lang="ja-JP" altLang="en-US" sz="3200" b="1" dirty="0" smtClean="0"/>
-              <a:t>理想の</a:t>
-            </a:r>
-            <a:r>
-              <a:rPr kumimoji="1" lang="ja-JP" altLang="en-US" sz="3200" b="1" dirty="0" smtClean="0"/>
-              <a:t>シーン遷移</a:t>
+              <a:t>理想のシーン遷移</a:t>
             </a:r>
             <a:endParaRPr kumimoji="1" lang="ja-JP" altLang="en-US" sz="3200" b="1" dirty="0"/>
           </a:p>

--- a/ゴールデンウィーク中の仕事振り分け.pptx
+++ b/ゴールデンウィーク中の仕事振り分け.pptx
@@ -8,7 +8,8 @@
     <p:sldId id="256" r:id="rId2"/>
     <p:sldId id="257" r:id="rId3"/>
     <p:sldId id="258" r:id="rId4"/>
-    <p:sldId id="259" r:id="rId5"/>
+    <p:sldId id="260" r:id="rId5"/>
+    <p:sldId id="259" r:id="rId6"/>
   </p:sldIdLst>
   <p:sldSz cx="12192000" cy="6858000"/>
   <p:notesSz cx="6858000" cy="9144000"/>
@@ -3921,25 +3922,64 @@
             </a:r>
             <a:r>
               <a:rPr kumimoji="1" lang="ja-JP" altLang="en-US" dirty="0" smtClean="0"/>
-              <a:t>を追加</a:t>
+              <a:t>を</a:t>
+            </a:r>
+            <a:r>
+              <a:rPr kumimoji="1" lang="ja-JP" altLang="en-US" dirty="0" smtClean="0"/>
+              <a:t>追加 </a:t>
+            </a:r>
+            <a:r>
+              <a:rPr kumimoji="1" lang="en-US" altLang="ja-JP" dirty="0" smtClean="0"/>
+              <a:t>Iago</a:t>
             </a:r>
             <a:endParaRPr lang="en-US" altLang="ja-JP" dirty="0" smtClean="0"/>
           </a:p>
           <a:p>
             <a:r>
               <a:rPr lang="ja-JP" altLang="en-US" dirty="0" smtClean="0"/>
-              <a:t>・プレイヤーと敵のノックバック</a:t>
+              <a:t>・プレイヤーと敵の</a:t>
+            </a:r>
+            <a:r>
+              <a:rPr lang="ja-JP" altLang="en-US" dirty="0" smtClean="0"/>
+              <a:t>ノックバック </a:t>
+            </a:r>
+            <a:r>
+              <a:rPr lang="en-US" altLang="ja-JP" dirty="0" smtClean="0"/>
+              <a:t>Tanaka</a:t>
+            </a:r>
+            <a:r>
+              <a:rPr lang="ja-JP" altLang="en-US" dirty="0" smtClean="0"/>
+              <a:t>　</a:t>
             </a:r>
             <a:endParaRPr lang="en-US" altLang="ja-JP" dirty="0" smtClean="0"/>
           </a:p>
           <a:p>
             <a:r>
               <a:rPr lang="ja-JP" altLang="en-US" dirty="0" smtClean="0"/>
-              <a:t>・選択シーンの画像</a:t>
-            </a:r>
-            <a:r>
-              <a:rPr lang="ja-JP" altLang="en-US" smtClean="0"/>
-              <a:t>作成と実装</a:t>
+              <a:t>・選択</a:t>
+            </a:r>
+            <a:r>
+              <a:rPr lang="ja-JP" altLang="en-US" dirty="0" smtClean="0"/>
+              <a:t>シーンの画像作成と</a:t>
+            </a:r>
+            <a:r>
+              <a:rPr lang="ja-JP" altLang="en-US" dirty="0" smtClean="0"/>
+              <a:t>実装と背景  </a:t>
+            </a:r>
+            <a:r>
+              <a:rPr lang="en-US" altLang="ja-JP" dirty="0" err="1" smtClean="0"/>
+              <a:t>teramoto</a:t>
+            </a:r>
+            <a:r>
+              <a:rPr lang="ja-JP" altLang="en-US" dirty="0"/>
+              <a:t>機械感</a:t>
+            </a:r>
+            <a:endParaRPr lang="en-US" altLang="ja-JP" dirty="0"/>
+          </a:p>
+          <a:p>
+            <a:r>
+              <a:rPr lang="ja-JP" altLang="en-US" dirty="0" smtClean="0"/>
+              <a:t>    </a:t>
             </a:r>
             <a:endParaRPr lang="en-US" altLang="ja-JP" dirty="0" smtClean="0"/>
           </a:p>
@@ -3948,6 +3988,14 @@
               <a:rPr lang="ja-JP" altLang="en-US" dirty="0" smtClean="0"/>
               <a:t>・攻撃の計算を追加 </a:t>
             </a:r>
+            <a:r>
+              <a:rPr lang="ja-JP" altLang="en-US" dirty="0" smtClean="0"/>
+              <a:t>               </a:t>
+            </a:r>
+            <a:r>
+              <a:rPr lang="en-US" altLang="ja-JP" dirty="0" smtClean="0"/>
+              <a:t>Sato</a:t>
+            </a:r>
             <a:endParaRPr lang="en-US" altLang="ja-JP" dirty="0" smtClean="0"/>
           </a:p>
           <a:p>
@@ -3965,18 +4013,38 @@
             </a:r>
             <a:r>
               <a:rPr lang="en-US" altLang="ja-JP" dirty="0" smtClean="0"/>
-              <a:t>			//</a:t>
+              <a:t>	</a:t>
+            </a:r>
+            <a:r>
+              <a:rPr lang="ja-JP" altLang="en-US" dirty="0"/>
+              <a:t>　</a:t>
             </a:r>
             <a:r>
               <a:rPr lang="ja-JP" altLang="en-US" dirty="0" smtClean="0"/>
-              <a:t>優先度高</a:t>
+              <a:t>　　　　　</a:t>
+            </a:r>
+            <a:r>
+              <a:rPr lang="en-US" altLang="ja-JP" dirty="0" smtClean="0"/>
+              <a:t>Sato</a:t>
             </a:r>
             <a:endParaRPr lang="en-US" altLang="ja-JP" dirty="0" smtClean="0"/>
           </a:p>
           <a:p>
             <a:r>
               <a:rPr lang="ja-JP" altLang="en-US" dirty="0" smtClean="0"/>
-              <a:t>・登場の演出とゴール時にカプセルに入る演出     </a:t>
+              <a:t>・登場の演出とゴール時にカプセルに入る演出  </a:t>
+            </a:r>
+            <a:r>
+              <a:rPr lang="ja-JP" altLang="en-US" dirty="0" smtClean="0"/>
+              <a:t>  </a:t>
+            </a:r>
+            <a:r>
+              <a:rPr lang="en-US" altLang="ja-JP" dirty="0" err="1" smtClean="0"/>
+              <a:t>gotou</a:t>
+            </a:r>
+            <a:r>
+              <a:rPr lang="ja-JP" altLang="en-US" dirty="0" smtClean="0"/>
+              <a:t>  </a:t>
             </a:r>
             <a:endParaRPr lang="en-US" altLang="ja-JP" dirty="0" smtClean="0"/>
           </a:p>
@@ -3994,8 +4062,8 @@
               <a:t>ゲージ                                 </a:t>
             </a:r>
             <a:r>
-              <a:rPr lang="en-US" altLang="ja-JP" dirty="0" err="1" smtClean="0"/>
-              <a:t>Teramoto</a:t>
+              <a:rPr lang="en-US" altLang="ja-JP" dirty="0" smtClean="0"/>
+              <a:t>Ono</a:t>
             </a:r>
             <a:endParaRPr lang="en-US" altLang="ja-JP" dirty="0" smtClean="0"/>
           </a:p>
@@ -4018,17 +4086,6 @@
             <a:r>
               <a:rPr lang="en-US" altLang="ja-JP" dirty="0"/>
               <a:t>	</a:t>
-            </a:r>
-            <a:r>
-              <a:rPr lang="en-US" altLang="ja-JP" dirty="0" err="1" smtClean="0"/>
-              <a:t>gotou</a:t>
-            </a:r>
-            <a:endParaRPr lang="en-US" altLang="ja-JP" dirty="0" smtClean="0"/>
-          </a:p>
-          <a:p>
-            <a:r>
-              <a:rPr lang="ja-JP" altLang="en-US" dirty="0" smtClean="0"/>
-              <a:t>・ヒットエフェクト                       </a:t>
             </a:r>
             <a:r>
               <a:rPr lang="en-US" altLang="ja-JP" dirty="0" err="1" smtClean="0"/>
@@ -4052,6 +4109,223 @@
 </file>
 
 <file path=ppt/slides/slide4.xml><?xml version="1.0" encoding="utf-8"?>
+<p:sld xmlns:a="http://schemas.openxmlformats.org/drawingml/2006/main" xmlns:r="http://schemas.openxmlformats.org/officeDocument/2006/relationships" xmlns:p="http://schemas.openxmlformats.org/presentationml/2006/main">
+  <p:cSld>
+    <p:spTree>
+      <p:nvGrpSpPr>
+        <p:cNvPr id="1" name=""/>
+        <p:cNvGrpSpPr/>
+        <p:nvPr/>
+      </p:nvGrpSpPr>
+      <p:grpSpPr>
+        <a:xfrm>
+          <a:off x="0" y="0"/>
+          <a:ext cx="0" cy="0"/>
+          <a:chOff x="0" y="0"/>
+          <a:chExt cx="0" cy="0"/>
+        </a:xfrm>
+      </p:grpSpPr>
+      <p:sp>
+        <p:nvSpPr>
+          <p:cNvPr id="2" name="タイトル 1"/>
+          <p:cNvSpPr>
+            <a:spLocks noGrp="1"/>
+          </p:cNvSpPr>
+          <p:nvPr>
+            <p:ph type="title"/>
+          </p:nvPr>
+        </p:nvSpPr>
+        <p:spPr/>
+        <p:txBody>
+          <a:bodyPr/>
+          <a:lstStyle/>
+          <a:p>
+            <a:r>
+              <a:rPr lang="ja-JP" altLang="en-US" dirty="0" smtClean="0"/>
+              <a:t>出来たらやっといて</a:t>
+            </a:r>
+            <a:endParaRPr kumimoji="1" lang="ja-JP" altLang="en-US" dirty="0"/>
+          </a:p>
+        </p:txBody>
+      </p:sp>
+      <p:sp>
+        <p:nvSpPr>
+          <p:cNvPr id="4" name="テキスト ボックス 3"/>
+          <p:cNvSpPr txBox="1"/>
+          <p:nvPr/>
+        </p:nvSpPr>
+        <p:spPr>
+          <a:xfrm>
+            <a:off x="953037" y="1690688"/>
+            <a:ext cx="10612191" cy="2585323"/>
+          </a:xfrm>
+          <a:prstGeom prst="rect">
+            <a:avLst/>
+          </a:prstGeom>
+          <a:noFill/>
+        </p:spPr>
+        <p:txBody>
+          <a:bodyPr wrap="square" rtlCol="0">
+            <a:spAutoFit/>
+          </a:bodyPr>
+          <a:lstStyle/>
+          <a:p>
+            <a:r>
+              <a:rPr lang="ja-JP" altLang="en-US" dirty="0"/>
+              <a:t>・敵の追加 	</a:t>
+            </a:r>
+            <a:r>
+              <a:rPr lang="en-US" altLang="ja-JP" dirty="0" smtClean="0"/>
+              <a:t>				Tanaka</a:t>
+            </a:r>
+            <a:r>
+              <a:rPr lang="ja-JP" altLang="en-US" dirty="0"/>
+              <a:t>		</a:t>
+            </a:r>
+          </a:p>
+          <a:p>
+            <a:r>
+              <a:rPr lang="ja-JP" altLang="en-US" dirty="0" smtClean="0"/>
+              <a:t>・</a:t>
+            </a:r>
+            <a:r>
+              <a:rPr lang="ja-JP" altLang="en-US" dirty="0"/>
+              <a:t>横を</a:t>
+            </a:r>
+            <a:r>
+              <a:rPr lang="ja-JP" altLang="en-US" dirty="0" smtClean="0"/>
+              <a:t>行きすぎない</a:t>
+            </a:r>
+            <a:r>
+              <a:rPr lang="en-US" altLang="ja-JP" dirty="0" smtClean="0"/>
+              <a:t>					Iago</a:t>
+            </a:r>
+            <a:endParaRPr lang="ja-JP" altLang="en-US" dirty="0"/>
+          </a:p>
+          <a:p>
+            <a:r>
+              <a:rPr lang="ja-JP" altLang="en-US" dirty="0"/>
+              <a:t>・コントローラー対応の処理を</a:t>
+            </a:r>
+            <a:r>
+              <a:rPr lang="ja-JP" altLang="en-US" dirty="0" smtClean="0"/>
+              <a:t>追加</a:t>
+            </a:r>
+            <a:r>
+              <a:rPr lang="en-US" altLang="ja-JP" dirty="0" smtClean="0"/>
+              <a:t>			</a:t>
+            </a:r>
+            <a:r>
+              <a:rPr lang="en-US" altLang="ja-JP" dirty="0" err="1" smtClean="0"/>
+              <a:t>Anather</a:t>
+            </a:r>
+            <a:r>
+              <a:rPr lang="en-US" altLang="ja-JP" dirty="0" smtClean="0"/>
+              <a:t> Ono</a:t>
+            </a:r>
+            <a:endParaRPr lang="ja-JP" altLang="en-US" dirty="0"/>
+          </a:p>
+          <a:p>
+            <a:r>
+              <a:rPr lang="ja-JP" altLang="en-US" dirty="0"/>
+              <a:t>・失敗時の</a:t>
+            </a:r>
+            <a:r>
+              <a:rPr lang="ja-JP" altLang="en-US" dirty="0" smtClean="0"/>
+              <a:t>演出</a:t>
+            </a:r>
+            <a:r>
+              <a:rPr lang="en-US" altLang="ja-JP" dirty="0" smtClean="0"/>
+              <a:t>					Sato</a:t>
+            </a:r>
+            <a:endParaRPr lang="ja-JP" altLang="en-US" dirty="0"/>
+          </a:p>
+          <a:p>
+            <a:r>
+              <a:rPr lang="ja-JP" altLang="en-US" dirty="0" smtClean="0"/>
+              <a:t>・リザルトシーン</a:t>
+            </a:r>
+            <a:r>
+              <a:rPr lang="ja-JP" altLang="en-US" dirty="0"/>
+              <a:t>でプレイヤーの装備状態を</a:t>
+            </a:r>
+            <a:r>
+              <a:rPr lang="ja-JP" altLang="en-US" dirty="0" smtClean="0"/>
+              <a:t>引き継ぐ           </a:t>
+            </a:r>
+            <a:r>
+              <a:rPr lang="en-US" altLang="ja-JP" dirty="0" err="1" smtClean="0"/>
+              <a:t>atode</a:t>
+            </a:r>
+            <a:endParaRPr lang="ja-JP" altLang="en-US" dirty="0" smtClean="0"/>
+          </a:p>
+          <a:p>
+            <a:r>
+              <a:rPr lang="ja-JP" altLang="en-US" dirty="0" smtClean="0"/>
+              <a:t>・敵死亡時のエフェクト</a:t>
+            </a:r>
+          </a:p>
+          <a:p>
+            <a:r>
+              <a:rPr lang="ja-JP" altLang="en-US" dirty="0" smtClean="0"/>
+              <a:t>・</a:t>
+            </a:r>
+            <a:r>
+              <a:rPr lang="ja-JP" altLang="en-US" dirty="0"/>
+              <a:t>プレイヤーの挙動を治せたら</a:t>
+            </a:r>
+            <a:r>
+              <a:rPr lang="ja-JP" altLang="en-US" dirty="0" smtClean="0"/>
+              <a:t>治す</a:t>
+            </a:r>
+            <a:r>
+              <a:rPr lang="en-US" altLang="ja-JP" dirty="0" smtClean="0"/>
+              <a:t>		</a:t>
+            </a:r>
+            <a:endParaRPr lang="ja-JP" altLang="en-US" dirty="0"/>
+          </a:p>
+          <a:p>
+            <a:r>
+              <a:rPr lang="ja-JP" altLang="en-US" dirty="0"/>
+              <a:t>・銃と杖の追加</a:t>
+            </a:r>
+            <a:r>
+              <a:rPr lang="en-US" altLang="ja-JP" dirty="0"/>
+              <a:t>(</a:t>
+            </a:r>
+            <a:r>
+              <a:rPr lang="ja-JP" altLang="en-US" dirty="0" smtClean="0"/>
+              <a:t>画像 </a:t>
+            </a:r>
+            <a:r>
+              <a:rPr lang="en-US" altLang="ja-JP" dirty="0" smtClean="0"/>
+              <a:t>				Iago</a:t>
+            </a:r>
+            <a:endParaRPr lang="ja-JP" altLang="en-US" dirty="0"/>
+          </a:p>
+          <a:p>
+            <a:r>
+              <a:rPr lang="ja-JP" altLang="en-US" dirty="0"/>
+              <a:t>・攻撃の追加</a:t>
+            </a:r>
+            <a:endParaRPr kumimoji="1" lang="ja-JP" altLang="en-US" dirty="0"/>
+          </a:p>
+        </p:txBody>
+      </p:sp>
+    </p:spTree>
+    <p:extLst>
+      <p:ext uri="{BB962C8B-B14F-4D97-AF65-F5344CB8AC3E}">
+        <p14:creationId xmlns:p14="http://schemas.microsoft.com/office/powerpoint/2010/main" val="2308711820"/>
+      </p:ext>
+    </p:extLst>
+  </p:cSld>
+  <p:clrMapOvr>
+    <a:masterClrMapping/>
+  </p:clrMapOvr>
+</p:sld>
+</file>
+
+<file path=ppt/slides/slide5.xml><?xml version="1.0" encoding="utf-8"?>
 <p:sld xmlns:a="http://schemas.openxmlformats.org/drawingml/2006/main" xmlns:r="http://schemas.openxmlformats.org/officeDocument/2006/relationships" xmlns:p="http://schemas.openxmlformats.org/presentationml/2006/main">
   <p:cSld>
     <p:spTree>
